--- a/Arizona Water Poster.pptx
+++ b/Arizona Water Poster.pptx
@@ -3242,7 +3242,7 @@
             <a:r>
               <a:rPr lang="en-US" sz="5400" dirty="0">
                 <a:solidFill>
-                  <a:srgbClr val="FBCE20"/>
+                  <a:srgbClr val="5F8BA6"/>
                 </a:solidFill>
                 <a:latin typeface="Arial" panose="020B0604020202020204" pitchFamily="34" charset="0"/>
                 <a:ea typeface="Droid Serif"/>
